--- a/DSE203/Presentation 2/DSE 203 Schema Demand Presentation 2.pptx
+++ b/DSE203/Presentation 2/DSE 203 Schema Demand Presentation 2.pptx
@@ -207,7 +207,7 @@
           <a:p>
             <a:fld id="{B734E9AC-12C1-3D46-BE5B-A51345B339DF}" type="datetimeFigureOut">
               <a:rPr lang="en-US" smtClean="0"/>
-              <a:t>10/28/2017</a:t>
+              <a:t>10/28/17</a:t>
             </a:fld>
             <a:endParaRPr lang="en-US"/>
           </a:p>
@@ -1060,7 +1060,7 @@
           <a:p>
             <a:fld id="{4216BD7F-D008-DB4F-9DDB-C3215BA4EF70}" type="datetime1">
               <a:rPr lang="en-US" smtClean="0"/>
-              <a:t>10/28/2017</a:t>
+              <a:t>10/28/17</a:t>
             </a:fld>
             <a:endParaRPr lang="en-US" dirty="0"/>
           </a:p>
@@ -1361,7 +1361,7 @@
           <a:p>
             <a:fld id="{B5A572E6-5617-AC46-BF14-D56E51C4371D}" type="datetime1">
               <a:rPr lang="en-US" smtClean="0"/>
-              <a:t>10/28/2017</a:t>
+              <a:t>10/28/17</a:t>
             </a:fld>
             <a:endParaRPr lang="en-US" dirty="0"/>
           </a:p>
@@ -1610,7 +1610,7 @@
           <a:p>
             <a:fld id="{C974EAA0-0532-7945-A95B-563A4842518B}" type="datetime1">
               <a:rPr lang="en-US" smtClean="0"/>
-              <a:t>10/28/2017</a:t>
+              <a:t>10/28/17</a:t>
             </a:fld>
             <a:endParaRPr lang="en-US" dirty="0"/>
           </a:p>
@@ -2151,7 +2151,7 @@
           <a:p>
             <a:fld id="{9BCD156F-A61E-C746-B3B6-DBA5B5E089ED}" type="datetime1">
               <a:rPr lang="en-US" smtClean="0"/>
-              <a:t>10/28/2017</a:t>
+              <a:t>10/28/17</a:t>
             </a:fld>
             <a:endParaRPr lang="en-US" dirty="0"/>
           </a:p>
@@ -2400,7 +2400,7 @@
           <a:p>
             <a:fld id="{56AC5DC5-5E10-AF46-9DDC-7C7E31F76CD0}" type="datetime1">
               <a:rPr lang="en-US" smtClean="0"/>
-              <a:t>10/28/2017</a:t>
+              <a:t>10/28/17</a:t>
             </a:fld>
             <a:endParaRPr lang="en-US" dirty="0"/>
           </a:p>
@@ -2933,7 +2933,7 @@
           <a:p>
             <a:fld id="{B21A581B-8D7E-1B47-A66E-1D59496BF773}" type="datetime1">
               <a:rPr lang="en-US" smtClean="0"/>
-              <a:t>10/28/2017</a:t>
+              <a:t>10/28/17</a:t>
             </a:fld>
             <a:endParaRPr lang="en-US" dirty="0"/>
           </a:p>
@@ -3231,7 +3231,7 @@
           <a:p>
             <a:fld id="{D09FF26F-C614-5C4D-B0E4-9E7BE89E1910}" type="datetime1">
               <a:rPr lang="en-US" smtClean="0"/>
-              <a:t>10/28/2017</a:t>
+              <a:t>10/28/17</a:t>
             </a:fld>
             <a:endParaRPr lang="en-US" dirty="0"/>
           </a:p>
@@ -3406,7 +3406,7 @@
           <a:p>
             <a:fld id="{FB7B3BF1-40BF-CC40-B2A9-B5A6C6DCF105}" type="datetime1">
               <a:rPr lang="en-US" smtClean="0"/>
-              <a:t>10/28/2017</a:t>
+              <a:t>10/28/17</a:t>
             </a:fld>
             <a:endParaRPr lang="en-US" dirty="0"/>
           </a:p>
@@ -3586,7 +3586,7 @@
           <a:p>
             <a:fld id="{CB4CCFEE-C167-0E43-A3B3-AA5A0AE3CA41}" type="datetime1">
               <a:rPr lang="en-US" smtClean="0"/>
-              <a:t>10/28/2017</a:t>
+              <a:t>10/28/17</a:t>
             </a:fld>
             <a:endParaRPr lang="en-US" dirty="0"/>
           </a:p>
@@ -3756,7 +3756,7 @@
           <a:p>
             <a:fld id="{7F47B0DF-63E3-4D47-8267-ACD77E28A2A2}" type="datetime1">
               <a:rPr lang="en-US" smtClean="0"/>
-              <a:t>10/28/2017</a:t>
+              <a:t>10/28/17</a:t>
             </a:fld>
             <a:endParaRPr lang="en-US" dirty="0"/>
           </a:p>
@@ -4007,7 +4007,7 @@
           <a:p>
             <a:fld id="{05D8D2FF-CEC4-0B4C-BB49-60CA0827AD11}" type="datetime1">
               <a:rPr lang="en-US" smtClean="0"/>
-              <a:t>10/28/2017</a:t>
+              <a:t>10/28/17</a:t>
             </a:fld>
             <a:endParaRPr lang="en-US" dirty="0"/>
           </a:p>
@@ -4304,7 +4304,7 @@
           <a:p>
             <a:fld id="{F930122E-7D42-3142-90A0-649FFCDCC79C}" type="datetime1">
               <a:rPr lang="en-US" smtClean="0"/>
-              <a:t>10/28/2017</a:t>
+              <a:t>10/28/17</a:t>
             </a:fld>
             <a:endParaRPr lang="en-US" dirty="0"/>
           </a:p>
@@ -4746,7 +4746,7 @@
           <a:p>
             <a:fld id="{411CCAEC-FB04-E14B-B74A-26EF86DE26FF}" type="datetime1">
               <a:rPr lang="en-US" smtClean="0"/>
-              <a:t>10/28/2017</a:t>
+              <a:t>10/28/17</a:t>
             </a:fld>
             <a:endParaRPr lang="en-US" dirty="0"/>
           </a:p>
@@ -4864,7 +4864,7 @@
           <a:p>
             <a:fld id="{3CBFA6F9-EDF6-A045-9CA7-87B221CD21CD}" type="datetime1">
               <a:rPr lang="en-US" smtClean="0"/>
-              <a:t>10/28/2017</a:t>
+              <a:t>10/28/17</a:t>
             </a:fld>
             <a:endParaRPr lang="en-US" dirty="0"/>
           </a:p>
@@ -4959,7 +4959,7 @@
           <a:p>
             <a:fld id="{3298110E-4D4D-A14D-A2C2-810B6078AFD6}" type="datetime1">
               <a:rPr lang="en-US" smtClean="0"/>
-              <a:t>10/28/2017</a:t>
+              <a:t>10/28/17</a:t>
             </a:fld>
             <a:endParaRPr lang="en-US" dirty="0"/>
           </a:p>
@@ -5247,7 +5247,7 @@
           <a:p>
             <a:fld id="{04332822-E108-A548-9FE2-56D3119F8B79}" type="datetime1">
               <a:rPr lang="en-US" smtClean="0"/>
-              <a:t>10/28/2017</a:t>
+              <a:t>10/28/17</a:t>
             </a:fld>
             <a:endParaRPr lang="en-US" dirty="0"/>
           </a:p>
@@ -5543,7 +5543,7 @@
           <a:p>
             <a:fld id="{1BCE85F7-E705-754F-9DB0-F7DA22765CAD}" type="datetime1">
               <a:rPr lang="en-US" smtClean="0"/>
-              <a:t>10/28/2017</a:t>
+              <a:t>10/28/17</a:t>
             </a:fld>
             <a:endParaRPr lang="en-US" dirty="0"/>
           </a:p>
@@ -6073,7 +6073,7 @@
           <a:p>
             <a:fld id="{5C9E0475-5844-9145-A0A0-8CF27E104FD6}" type="datetime1">
               <a:rPr lang="en-US" smtClean="0"/>
-              <a:t>10/28/2017</a:t>
+              <a:t>10/28/17</a:t>
             </a:fld>
             <a:endParaRPr lang="en-US" dirty="0"/>
           </a:p>
@@ -6616,7 +6616,7 @@
           <p:cNvPr id="2" name="Title 1">
             <a:extLst>
               <a:ext uri="{FF2B5EF4-FFF2-40B4-BE49-F238E27FC236}">
-                <a16:creationId xmlns:a16="http://schemas.microsoft.com/office/drawing/2014/main" id="{CB971750-834B-46E9-B6B0-9A2AFCD3B78E}"/>
+                <a16:creationId xmlns:a16="http://schemas.microsoft.com/office/drawing/2014/main" xmlns="" id="{CB971750-834B-46E9-B6B0-9A2AFCD3B78E}"/>
               </a:ext>
             </a:extLst>
           </p:cNvPr>
@@ -6639,15 +6639,31 @@
           </a:bodyPr>
           <a:lstStyle/>
           <a:p>
+            <a:r>
+              <a:rPr lang="en-US" b="1" dirty="0"/>
+              <a:t/>
+            </a:r>
             <a:br>
               <a:rPr lang="en-US" b="1" dirty="0"/>
             </a:br>
+            <a:r>
+              <a:rPr lang="en-US" b="1" dirty="0"/>
+              <a:t/>
+            </a:r>
             <a:br>
               <a:rPr lang="en-US" b="1" dirty="0"/>
             </a:br>
+            <a:r>
+              <a:rPr lang="en-US" b="1" dirty="0"/>
+              <a:t/>
+            </a:r>
             <a:br>
               <a:rPr lang="en-US" b="1" dirty="0"/>
             </a:br>
+            <a:r>
+              <a:rPr lang="en-US" b="1" dirty="0"/>
+              <a:t/>
+            </a:r>
             <a:br>
               <a:rPr lang="en-US" b="1" dirty="0"/>
             </a:br>
@@ -6662,6 +6678,10 @@
               <a:rPr lang="en-US" sz="4400" b="1" dirty="0"/>
               <a:t>Schema Integration and Justification Team</a:t>
             </a:r>
+            <a:r>
+              <a:rPr lang="en-US" sz="4400" dirty="0"/>
+              <a:t/>
+            </a:r>
             <a:br>
               <a:rPr lang="en-US" sz="4400" dirty="0"/>
             </a:br>
@@ -6692,7 +6712,7 @@
           <p:cNvPr id="3" name="Subtitle 2">
             <a:extLst>
               <a:ext uri="{FF2B5EF4-FFF2-40B4-BE49-F238E27FC236}">
-                <a16:creationId xmlns:a16="http://schemas.microsoft.com/office/drawing/2014/main" id="{E6CC438E-4055-43B8-9BC1-01EEF289E6A4}"/>
+                <a16:creationId xmlns:a16="http://schemas.microsoft.com/office/drawing/2014/main" xmlns="" id="{E6CC438E-4055-43B8-9BC1-01EEF289E6A4}"/>
               </a:ext>
             </a:extLst>
           </p:cNvPr>
@@ -6793,7 +6813,7 @@
           <p:cNvPr id="2" name="Title 1">
             <a:extLst>
               <a:ext uri="{FF2B5EF4-FFF2-40B4-BE49-F238E27FC236}">
-                <a16:creationId xmlns:a16="http://schemas.microsoft.com/office/drawing/2014/main" id="{DEE9C384-E568-48F4-9B04-D4525643C48A}"/>
+                <a16:creationId xmlns:a16="http://schemas.microsoft.com/office/drawing/2014/main" xmlns="" id="{DEE9C384-E568-48F4-9B04-D4525643C48A}"/>
               </a:ext>
             </a:extLst>
           </p:cNvPr>
@@ -6832,7 +6852,7 @@
           <p:cNvPr id="3" name="Content Placeholder 2">
             <a:extLst>
               <a:ext uri="{FF2B5EF4-FFF2-40B4-BE49-F238E27FC236}">
-                <a16:creationId xmlns:a16="http://schemas.microsoft.com/office/drawing/2014/main" id="{4C269799-D107-4722-98F6-3A59749DD0C8}"/>
+                <a16:creationId xmlns:a16="http://schemas.microsoft.com/office/drawing/2014/main" xmlns="" id="{4C269799-D107-4722-98F6-3A59749DD0C8}"/>
               </a:ext>
             </a:extLst>
           </p:cNvPr>
@@ -6939,14 +6959,14 @@
                 <a:gridCol w="4851400">
                   <a:extLst>
                     <a:ext uri="{9D8B030D-6E8A-4147-A177-3AD203B41FA5}">
-                      <a16:colId xmlns:a16="http://schemas.microsoft.com/office/drawing/2014/main" val="20000"/>
+                      <a16:colId xmlns:a16="http://schemas.microsoft.com/office/drawing/2014/main" xmlns="" val="20000"/>
                     </a:ext>
                   </a:extLst>
                 </a:gridCol>
                 <a:gridCol w="4851400">
                   <a:extLst>
                     <a:ext uri="{9D8B030D-6E8A-4147-A177-3AD203B41FA5}">
-                      <a16:colId xmlns:a16="http://schemas.microsoft.com/office/drawing/2014/main" val="20001"/>
+                      <a16:colId xmlns:a16="http://schemas.microsoft.com/office/drawing/2014/main" xmlns="" val="20001"/>
                     </a:ext>
                   </a:extLst>
                 </a:gridCol>
@@ -7032,7 +7052,7 @@
                 </a:tc>
                 <a:extLst>
                   <a:ext uri="{0D108BD9-81ED-4DB2-BD59-A6C34878D82A}">
-                    <a16:rowId xmlns:a16="http://schemas.microsoft.com/office/drawing/2014/main" val="10000"/>
+                    <a16:rowId xmlns:a16="http://schemas.microsoft.com/office/drawing/2014/main" xmlns="" val="10000"/>
                   </a:ext>
                 </a:extLst>
               </a:tr>
@@ -7085,7 +7105,7 @@
                 </a:tc>
                 <a:extLst>
                   <a:ext uri="{0D108BD9-81ED-4DB2-BD59-A6C34878D82A}">
-                    <a16:rowId xmlns:a16="http://schemas.microsoft.com/office/drawing/2014/main" val="10001"/>
+                    <a16:rowId xmlns:a16="http://schemas.microsoft.com/office/drawing/2014/main" xmlns="" val="10001"/>
                   </a:ext>
                 </a:extLst>
               </a:tr>
@@ -7154,7 +7174,7 @@
                 </a:tc>
                 <a:extLst>
                   <a:ext uri="{0D108BD9-81ED-4DB2-BD59-A6C34878D82A}">
-                    <a16:rowId xmlns:a16="http://schemas.microsoft.com/office/drawing/2014/main" val="10002"/>
+                    <a16:rowId xmlns:a16="http://schemas.microsoft.com/office/drawing/2014/main" xmlns="" val="10002"/>
                   </a:ext>
                 </a:extLst>
               </a:tr>
@@ -7204,7 +7224,7 @@
                 </a:tc>
                 <a:extLst>
                   <a:ext uri="{0D108BD9-81ED-4DB2-BD59-A6C34878D82A}">
-                    <a16:rowId xmlns:a16="http://schemas.microsoft.com/office/drawing/2014/main" val="10003"/>
+                    <a16:rowId xmlns:a16="http://schemas.microsoft.com/office/drawing/2014/main" xmlns="" val="10003"/>
                   </a:ext>
                 </a:extLst>
               </a:tr>
@@ -7257,7 +7277,7 @@
                 </a:tc>
                 <a:extLst>
                   <a:ext uri="{0D108BD9-81ED-4DB2-BD59-A6C34878D82A}">
-                    <a16:rowId xmlns:a16="http://schemas.microsoft.com/office/drawing/2014/main" val="10004"/>
+                    <a16:rowId xmlns:a16="http://schemas.microsoft.com/office/drawing/2014/main" xmlns="" val="10004"/>
                   </a:ext>
                 </a:extLst>
               </a:tr>
@@ -7326,7 +7346,7 @@
                 </a:tc>
                 <a:extLst>
                   <a:ext uri="{0D108BD9-81ED-4DB2-BD59-A6C34878D82A}">
-                    <a16:rowId xmlns:a16="http://schemas.microsoft.com/office/drawing/2014/main" val="10005"/>
+                    <a16:rowId xmlns:a16="http://schemas.microsoft.com/office/drawing/2014/main" xmlns="" val="10005"/>
                   </a:ext>
                 </a:extLst>
               </a:tr>
@@ -7411,7 +7431,7 @@
                 </a:tc>
                 <a:extLst>
                   <a:ext uri="{0D108BD9-81ED-4DB2-BD59-A6C34878D82A}">
-                    <a16:rowId xmlns:a16="http://schemas.microsoft.com/office/drawing/2014/main" val="10006"/>
+                    <a16:rowId xmlns:a16="http://schemas.microsoft.com/office/drawing/2014/main" xmlns="" val="10006"/>
                   </a:ext>
                 </a:extLst>
               </a:tr>
@@ -7447,14 +7467,14 @@
                 <a:gridCol w="4851400">
                   <a:extLst>
                     <a:ext uri="{9D8B030D-6E8A-4147-A177-3AD203B41FA5}">
-                      <a16:colId xmlns:a16="http://schemas.microsoft.com/office/drawing/2014/main" val="20000"/>
+                      <a16:colId xmlns:a16="http://schemas.microsoft.com/office/drawing/2014/main" xmlns="" val="20000"/>
                     </a:ext>
                   </a:extLst>
                 </a:gridCol>
                 <a:gridCol w="4851400">
                   <a:extLst>
                     <a:ext uri="{9D8B030D-6E8A-4147-A177-3AD203B41FA5}">
-                      <a16:colId xmlns:a16="http://schemas.microsoft.com/office/drawing/2014/main" val="20001"/>
+                      <a16:colId xmlns:a16="http://schemas.microsoft.com/office/drawing/2014/main" xmlns="" val="20001"/>
                     </a:ext>
                   </a:extLst>
                 </a:gridCol>
@@ -7558,7 +7578,7 @@
                 </a:tc>
                 <a:extLst>
                   <a:ext uri="{0D108BD9-81ED-4DB2-BD59-A6C34878D82A}">
-                    <a16:rowId xmlns:a16="http://schemas.microsoft.com/office/drawing/2014/main" val="10000"/>
+                    <a16:rowId xmlns:a16="http://schemas.microsoft.com/office/drawing/2014/main" xmlns="" val="10000"/>
                   </a:ext>
                 </a:extLst>
               </a:tr>
@@ -7611,7 +7631,7 @@
                 </a:tc>
                 <a:extLst>
                   <a:ext uri="{0D108BD9-81ED-4DB2-BD59-A6C34878D82A}">
-                    <a16:rowId xmlns:a16="http://schemas.microsoft.com/office/drawing/2014/main" val="10001"/>
+                    <a16:rowId xmlns:a16="http://schemas.microsoft.com/office/drawing/2014/main" xmlns="" val="10001"/>
                   </a:ext>
                 </a:extLst>
               </a:tr>
@@ -7654,7 +7674,7 @@
           <p:cNvPr id="2" name="Title 1">
             <a:extLst>
               <a:ext uri="{FF2B5EF4-FFF2-40B4-BE49-F238E27FC236}">
-                <a16:creationId xmlns:a16="http://schemas.microsoft.com/office/drawing/2014/main" id="{DEE9C384-E568-48F4-9B04-D4525643C48A}"/>
+                <a16:creationId xmlns:a16="http://schemas.microsoft.com/office/drawing/2014/main" xmlns="" id="{DEE9C384-E568-48F4-9B04-D4525643C48A}"/>
               </a:ext>
             </a:extLst>
           </p:cNvPr>
@@ -7689,7 +7709,7 @@
           <p:cNvPr id="3" name="Content Placeholder 2">
             <a:extLst>
               <a:ext uri="{FF2B5EF4-FFF2-40B4-BE49-F238E27FC236}">
-                <a16:creationId xmlns:a16="http://schemas.microsoft.com/office/drawing/2014/main" id="{4C269799-D107-4722-98F6-3A59749DD0C8}"/>
+                <a16:creationId xmlns:a16="http://schemas.microsoft.com/office/drawing/2014/main" xmlns="" id="{4C269799-D107-4722-98F6-3A59749DD0C8}"/>
               </a:ext>
             </a:extLst>
           </p:cNvPr>
@@ -7724,7 +7744,7 @@
       </p:sp>
       <p:pic>
         <p:nvPicPr>
-          <p:cNvPr id="4" name="Picture 3"/>
+          <p:cNvPr id="5" name="Picture 4"/>
           <p:cNvPicPr>
             <a:picLocks noChangeAspect="1"/>
           </p:cNvPicPr>
@@ -7738,8 +7758,8 @@
         </p:blipFill>
         <p:spPr>
           <a:xfrm>
-            <a:off x="2416618" y="889847"/>
-            <a:ext cx="8887486" cy="5968153"/>
+            <a:off x="2451687" y="987973"/>
+            <a:ext cx="8083957" cy="5833092"/>
           </a:xfrm>
           <a:prstGeom prst="rect">
             <a:avLst/>
@@ -7781,7 +7801,7 @@
           <p:cNvPr id="2" name="Title 1">
             <a:extLst>
               <a:ext uri="{FF2B5EF4-FFF2-40B4-BE49-F238E27FC236}">
-                <a16:creationId xmlns:a16="http://schemas.microsoft.com/office/drawing/2014/main" id="{DEE9C384-E568-48F4-9B04-D4525643C48A}"/>
+                <a16:creationId xmlns:a16="http://schemas.microsoft.com/office/drawing/2014/main" xmlns="" id="{DEE9C384-E568-48F4-9B04-D4525643C48A}"/>
               </a:ext>
             </a:extLst>
           </p:cNvPr>
@@ -7816,7 +7836,7 @@
           <p:cNvPr id="3" name="Content Placeholder 2">
             <a:extLst>
               <a:ext uri="{FF2B5EF4-FFF2-40B4-BE49-F238E27FC236}">
-                <a16:creationId xmlns:a16="http://schemas.microsoft.com/office/drawing/2014/main" id="{4C269799-D107-4722-98F6-3A59749DD0C8}"/>
+                <a16:creationId xmlns:a16="http://schemas.microsoft.com/office/drawing/2014/main" xmlns="" id="{4C269799-D107-4722-98F6-3A59749DD0C8}"/>
               </a:ext>
             </a:extLst>
           </p:cNvPr>
@@ -8217,7 +8237,7 @@
           <p:cNvPr id="6" name="Title 1">
             <a:extLst>
               <a:ext uri="{FF2B5EF4-FFF2-40B4-BE49-F238E27FC236}">
-                <a16:creationId xmlns:a16="http://schemas.microsoft.com/office/drawing/2014/main" id="{DEE9C384-E568-48F4-9B04-D4525643C48A}"/>
+                <a16:creationId xmlns:a16="http://schemas.microsoft.com/office/drawing/2014/main" xmlns="" id="{DEE9C384-E568-48F4-9B04-D4525643C48A}"/>
               </a:ext>
             </a:extLst>
           </p:cNvPr>
@@ -8286,7 +8306,7 @@
           <p:cNvPr id="3" name="Content Placeholder 2">
             <a:extLst>
               <a:ext uri="{FF2B5EF4-FFF2-40B4-BE49-F238E27FC236}">
-                <a16:creationId xmlns:a16="http://schemas.microsoft.com/office/drawing/2014/main" id="{0412D2FF-85CE-4964-939E-BD4A299A82A2}"/>
+                <a16:creationId xmlns:a16="http://schemas.microsoft.com/office/drawing/2014/main" xmlns="" id="{0412D2FF-85CE-4964-939E-BD4A299A82A2}"/>
               </a:ext>
             </a:extLst>
           </p:cNvPr>
@@ -8415,7 +8435,7 @@
           <p:cNvPr id="5" name="Title 1">
             <a:extLst>
               <a:ext uri="{FF2B5EF4-FFF2-40B4-BE49-F238E27FC236}">
-                <a16:creationId xmlns:a16="http://schemas.microsoft.com/office/drawing/2014/main" id="{DEE9C384-E568-48F4-9B04-D4525643C48A}"/>
+                <a16:creationId xmlns:a16="http://schemas.microsoft.com/office/drawing/2014/main" xmlns="" id="{DEE9C384-E568-48F4-9B04-D4525643C48A}"/>
               </a:ext>
             </a:extLst>
           </p:cNvPr>
@@ -8481,7 +8501,7 @@
           <p:cNvPr id="2" name="Title 1">
             <a:extLst>
               <a:ext uri="{FF2B5EF4-FFF2-40B4-BE49-F238E27FC236}">
-                <a16:creationId xmlns:a16="http://schemas.microsoft.com/office/drawing/2014/main" id="{DEE9C384-E568-48F4-9B04-D4525643C48A}"/>
+                <a16:creationId xmlns:a16="http://schemas.microsoft.com/office/drawing/2014/main" xmlns="" id="{DEE9C384-E568-48F4-9B04-D4525643C48A}"/>
               </a:ext>
             </a:extLst>
           </p:cNvPr>
@@ -8512,7 +8532,7 @@
           <p:cNvPr id="3" name="Content Placeholder 2">
             <a:extLst>
               <a:ext uri="{FF2B5EF4-FFF2-40B4-BE49-F238E27FC236}">
-                <a16:creationId xmlns:a16="http://schemas.microsoft.com/office/drawing/2014/main" id="{4C269799-D107-4722-98F6-3A59749DD0C8}"/>
+                <a16:creationId xmlns:a16="http://schemas.microsoft.com/office/drawing/2014/main" xmlns="" id="{4C269799-D107-4722-98F6-3A59749DD0C8}"/>
               </a:ext>
             </a:extLst>
           </p:cNvPr>
